--- a/Hospital Emergency Room Dashboard.pptx
+++ b/Hospital Emergency Room Dashboard.pptx
@@ -10,8 +10,8 @@
     <p:notesMasterId r:id="rId13"/>
   </p:notesMasterIdLst>
   <p:sldIdLst>
-    <p:sldId id="265" r:id="rId4"/>
-    <p:sldId id="256" r:id="rId5"/>
+    <p:sldId id="256" r:id="rId4"/>
+    <p:sldId id="265" r:id="rId5"/>
     <p:sldId id="257" r:id="rId6"/>
     <p:sldId id="258" r:id="rId7"/>
     <p:sldId id="264" r:id="rId8"/>
@@ -7651,7 +7651,7 @@
           <a:p>
             <a:fld id="{7908D5C3-3B36-4186-BEE2-F51051688B18}" type="datetimeFigureOut">
               <a:rPr lang="en-IN" smtClean="0"/>
-              <a:t>17-06-2025</a:t>
+              <a:t>03-07-2025</a:t>
             </a:fld>
             <a:endParaRPr lang="en-IN"/>
           </a:p>
@@ -7984,7 +7984,7 @@
           <a:p>
             <a:fld id="{CB4F26B2-A7C0-4AA2-A7C1-F05DC06FA55E}" type="slidenum">
               <a:rPr lang="en-IN" smtClean="0"/>
-              <a:t>2</a:t>
+              <a:t>1</a:t>
             </a:fld>
             <a:endParaRPr lang="en-IN"/>
           </a:p>
@@ -8152,7 +8152,7 @@
           <a:p>
             <a:fld id="{D57BE1A9-A399-4AF9-80A1-5E978693C3F4}" type="datetimeFigureOut">
               <a:rPr lang="en-IN" smtClean="0"/>
-              <a:t>17-06-2025</a:t>
+              <a:t>03-07-2025</a:t>
             </a:fld>
             <a:endParaRPr lang="en-IN"/>
           </a:p>
@@ -8352,7 +8352,7 @@
           <a:p>
             <a:fld id="{D57BE1A9-A399-4AF9-80A1-5E978693C3F4}" type="datetimeFigureOut">
               <a:rPr lang="en-IN" smtClean="0"/>
-              <a:t>17-06-2025</a:t>
+              <a:t>03-07-2025</a:t>
             </a:fld>
             <a:endParaRPr lang="en-IN"/>
           </a:p>
@@ -8562,7 +8562,7 @@
           <a:p>
             <a:fld id="{D57BE1A9-A399-4AF9-80A1-5E978693C3F4}" type="datetimeFigureOut">
               <a:rPr lang="en-IN" smtClean="0"/>
-              <a:t>17-06-2025</a:t>
+              <a:t>03-07-2025</a:t>
             </a:fld>
             <a:endParaRPr lang="en-IN"/>
           </a:p>
@@ -8826,7 +8826,7 @@
           <a:p>
             <a:fld id="{D57BE1A9-A399-4AF9-80A1-5E978693C3F4}" type="datetimeFigureOut">
               <a:rPr lang="en-IN" smtClean="0"/>
-              <a:t>17-06-2025</a:t>
+              <a:t>03-07-2025</a:t>
             </a:fld>
             <a:endParaRPr lang="en-IN"/>
           </a:p>
@@ -9171,7 +9171,7 @@
           <a:p>
             <a:fld id="{D57BE1A9-A399-4AF9-80A1-5E978693C3F4}" type="datetimeFigureOut">
               <a:rPr lang="en-IN" smtClean="0"/>
-              <a:t>17-06-2025</a:t>
+              <a:t>03-07-2025</a:t>
             </a:fld>
             <a:endParaRPr lang="en-IN"/>
           </a:p>
@@ -9421,7 +9421,7 @@
           <a:p>
             <a:fld id="{D57BE1A9-A399-4AF9-80A1-5E978693C3F4}" type="datetimeFigureOut">
               <a:rPr lang="en-IN" smtClean="0"/>
-              <a:t>17-06-2025</a:t>
+              <a:t>03-07-2025</a:t>
             </a:fld>
             <a:endParaRPr lang="en-IN"/>
           </a:p>
@@ -9657,7 +9657,7 @@
           <a:p>
             <a:fld id="{D57BE1A9-A399-4AF9-80A1-5E978693C3F4}" type="datetimeFigureOut">
               <a:rPr lang="en-IN" smtClean="0"/>
-              <a:t>17-06-2025</a:t>
+              <a:t>03-07-2025</a:t>
             </a:fld>
             <a:endParaRPr lang="en-IN"/>
           </a:p>
@@ -10039,7 +10039,7 @@
           <a:p>
             <a:fld id="{D57BE1A9-A399-4AF9-80A1-5E978693C3F4}" type="datetimeFigureOut">
               <a:rPr lang="en-IN" smtClean="0"/>
-              <a:t>17-06-2025</a:t>
+              <a:t>03-07-2025</a:t>
             </a:fld>
             <a:endParaRPr lang="en-IN"/>
           </a:p>
@@ -10157,7 +10157,7 @@
           <a:p>
             <a:fld id="{D57BE1A9-A399-4AF9-80A1-5E978693C3F4}" type="datetimeFigureOut">
               <a:rPr lang="en-IN" smtClean="0"/>
-              <a:t>17-06-2025</a:t>
+              <a:t>03-07-2025</a:t>
             </a:fld>
             <a:endParaRPr lang="en-IN"/>
           </a:p>
@@ -10252,7 +10252,7 @@
           <a:p>
             <a:fld id="{D57BE1A9-A399-4AF9-80A1-5E978693C3F4}" type="datetimeFigureOut">
               <a:rPr lang="en-IN" smtClean="0"/>
-              <a:t>17-06-2025</a:t>
+              <a:t>03-07-2025</a:t>
             </a:fld>
             <a:endParaRPr lang="en-IN"/>
           </a:p>
@@ -10507,7 +10507,7 @@
           <a:p>
             <a:fld id="{D57BE1A9-A399-4AF9-80A1-5E978693C3F4}" type="datetimeFigureOut">
               <a:rPr lang="en-IN" smtClean="0"/>
-              <a:t>17-06-2025</a:t>
+              <a:t>03-07-2025</a:t>
             </a:fld>
             <a:endParaRPr lang="en-IN"/>
           </a:p>
@@ -10695,7 +10695,7 @@
           <a:p>
             <a:fld id="{D57BE1A9-A399-4AF9-80A1-5E978693C3F4}" type="datetimeFigureOut">
               <a:rPr lang="en-IN" smtClean="0"/>
-              <a:t>17-06-2025</a:t>
+              <a:t>03-07-2025</a:t>
             </a:fld>
             <a:endParaRPr lang="en-IN"/>
           </a:p>
@@ -10990,7 +10990,7 @@
           <a:p>
             <a:fld id="{D57BE1A9-A399-4AF9-80A1-5E978693C3F4}" type="datetimeFigureOut">
               <a:rPr lang="en-IN" smtClean="0"/>
-              <a:t>17-06-2025</a:t>
+              <a:t>03-07-2025</a:t>
             </a:fld>
             <a:endParaRPr lang="en-IN"/>
           </a:p>
@@ -11251,7 +11251,7 @@
           <a:p>
             <a:fld id="{D57BE1A9-A399-4AF9-80A1-5E978693C3F4}" type="datetimeFigureOut">
               <a:rPr lang="en-IN" smtClean="0"/>
-              <a:t>17-06-2025</a:t>
+              <a:t>03-07-2025</a:t>
             </a:fld>
             <a:endParaRPr lang="en-IN"/>
           </a:p>
@@ -11501,7 +11501,7 @@
           <a:p>
             <a:fld id="{D57BE1A9-A399-4AF9-80A1-5E978693C3F4}" type="datetimeFigureOut">
               <a:rPr lang="en-IN" smtClean="0"/>
-              <a:t>17-06-2025</a:t>
+              <a:t>03-07-2025</a:t>
             </a:fld>
             <a:endParaRPr lang="en-IN"/>
           </a:p>
@@ -11809,7 +11809,7 @@
           <a:p>
             <a:fld id="{D57BE1A9-A399-4AF9-80A1-5E978693C3F4}" type="datetimeFigureOut">
               <a:rPr lang="en-IN" smtClean="0"/>
-              <a:t>17-06-2025</a:t>
+              <a:t>03-07-2025</a:t>
             </a:fld>
             <a:endParaRPr lang="en-IN"/>
           </a:p>
@@ -12127,7 +12127,7 @@
           <a:p>
             <a:fld id="{D57BE1A9-A399-4AF9-80A1-5E978693C3F4}" type="datetimeFigureOut">
               <a:rPr lang="en-IN" smtClean="0"/>
-              <a:t>17-06-2025</a:t>
+              <a:t>03-07-2025</a:t>
             </a:fld>
             <a:endParaRPr lang="en-IN"/>
           </a:p>
@@ -12429,7 +12429,7 @@
           <a:p>
             <a:fld id="{D57BE1A9-A399-4AF9-80A1-5E978693C3F4}" type="datetimeFigureOut">
               <a:rPr lang="en-IN" smtClean="0"/>
-              <a:t>17-06-2025</a:t>
+              <a:t>03-07-2025</a:t>
             </a:fld>
             <a:endParaRPr lang="en-IN"/>
           </a:p>
@@ -12796,7 +12796,7 @@
           <a:p>
             <a:fld id="{D57BE1A9-A399-4AF9-80A1-5E978693C3F4}" type="datetimeFigureOut">
               <a:rPr lang="en-IN" smtClean="0"/>
-              <a:t>17-06-2025</a:t>
+              <a:t>03-07-2025</a:t>
             </a:fld>
             <a:endParaRPr lang="en-IN"/>
           </a:p>
@@ -12970,7 +12970,7 @@
           <a:p>
             <a:fld id="{D57BE1A9-A399-4AF9-80A1-5E978693C3F4}" type="datetimeFigureOut">
               <a:rPr lang="en-IN" smtClean="0"/>
-              <a:t>17-06-2025</a:t>
+              <a:t>03-07-2025</a:t>
             </a:fld>
             <a:endParaRPr lang="en-IN"/>
           </a:p>
@@ -13150,7 +13150,7 @@
           <a:p>
             <a:fld id="{D57BE1A9-A399-4AF9-80A1-5E978693C3F4}" type="datetimeFigureOut">
               <a:rPr lang="en-IN" smtClean="0"/>
-              <a:t>17-06-2025</a:t>
+              <a:t>03-07-2025</a:t>
             </a:fld>
             <a:endParaRPr lang="en-IN"/>
           </a:p>
@@ -13485,7 +13485,7 @@
           <a:p>
             <a:fld id="{D57BE1A9-A399-4AF9-80A1-5E978693C3F4}" type="datetimeFigureOut">
               <a:rPr lang="en-IN" smtClean="0"/>
-              <a:t>17-06-2025</a:t>
+              <a:t>03-07-2025</a:t>
             </a:fld>
             <a:endParaRPr lang="en-IN"/>
           </a:p>
@@ -13754,7 +13754,7 @@
           <a:p>
             <a:fld id="{D57BE1A9-A399-4AF9-80A1-5E978693C3F4}" type="datetimeFigureOut">
               <a:rPr lang="en-IN" smtClean="0"/>
-              <a:t>17-06-2025</a:t>
+              <a:t>03-07-2025</a:t>
             </a:fld>
             <a:endParaRPr lang="en-IN"/>
           </a:p>
@@ -14075,7 +14075,7 @@
           <a:p>
             <a:fld id="{D57BE1A9-A399-4AF9-80A1-5E978693C3F4}" type="datetimeFigureOut">
               <a:rPr lang="en-IN" smtClean="0"/>
-              <a:t>17-06-2025</a:t>
+              <a:t>03-07-2025</a:t>
             </a:fld>
             <a:endParaRPr lang="en-IN"/>
           </a:p>
@@ -14464,7 +14464,7 @@
           <a:p>
             <a:fld id="{D57BE1A9-A399-4AF9-80A1-5E978693C3F4}" type="datetimeFigureOut">
               <a:rPr lang="en-IN" smtClean="0"/>
-              <a:t>17-06-2025</a:t>
+              <a:t>03-07-2025</a:t>
             </a:fld>
             <a:endParaRPr lang="en-IN"/>
           </a:p>
@@ -14840,7 +14840,7 @@
           <a:p>
             <a:fld id="{D57BE1A9-A399-4AF9-80A1-5E978693C3F4}" type="datetimeFigureOut">
               <a:rPr lang="en-IN" smtClean="0"/>
-              <a:t>17-06-2025</a:t>
+              <a:t>03-07-2025</a:t>
             </a:fld>
             <a:endParaRPr lang="en-IN"/>
           </a:p>
@@ -15346,7 +15346,7 @@
           <a:p>
             <a:fld id="{D57BE1A9-A399-4AF9-80A1-5E978693C3F4}" type="datetimeFigureOut">
               <a:rPr lang="en-IN" smtClean="0"/>
-              <a:t>17-06-2025</a:t>
+              <a:t>03-07-2025</a:t>
             </a:fld>
             <a:endParaRPr lang="en-IN"/>
           </a:p>
@@ -15603,7 +15603,7 @@
           <a:p>
             <a:fld id="{D57BE1A9-A399-4AF9-80A1-5E978693C3F4}" type="datetimeFigureOut">
               <a:rPr lang="en-IN" smtClean="0"/>
-              <a:t>17-06-2025</a:t>
+              <a:t>03-07-2025</a:t>
             </a:fld>
             <a:endParaRPr lang="en-IN"/>
           </a:p>
@@ -15766,7 +15766,7 @@
           <a:p>
             <a:fld id="{D57BE1A9-A399-4AF9-80A1-5E978693C3F4}" type="datetimeFigureOut">
               <a:rPr lang="en-IN" smtClean="0"/>
-              <a:t>17-06-2025</a:t>
+              <a:t>03-07-2025</a:t>
             </a:fld>
             <a:endParaRPr lang="en-IN"/>
           </a:p>
@@ -16156,7 +16156,7 @@
           <a:p>
             <a:fld id="{D57BE1A9-A399-4AF9-80A1-5E978693C3F4}" type="datetimeFigureOut">
               <a:rPr lang="en-IN" smtClean="0"/>
-              <a:t>17-06-2025</a:t>
+              <a:t>03-07-2025</a:t>
             </a:fld>
             <a:endParaRPr lang="en-IN"/>
           </a:p>
@@ -16565,7 +16565,7 @@
           <a:p>
             <a:fld id="{D57BE1A9-A399-4AF9-80A1-5E978693C3F4}" type="datetimeFigureOut">
               <a:rPr lang="en-IN" smtClean="0"/>
-              <a:t>17-06-2025</a:t>
+              <a:t>03-07-2025</a:t>
             </a:fld>
             <a:endParaRPr lang="en-IN"/>
           </a:p>
@@ -16974,7 +16974,7 @@
           <a:p>
             <a:fld id="{D57BE1A9-A399-4AF9-80A1-5E978693C3F4}" type="datetimeFigureOut">
               <a:rPr lang="en-IN" smtClean="0"/>
-              <a:t>17-06-2025</a:t>
+              <a:t>03-07-2025</a:t>
             </a:fld>
             <a:endParaRPr lang="en-IN"/>
           </a:p>
@@ -17310,7 +17310,7 @@
           <a:p>
             <a:fld id="{D57BE1A9-A399-4AF9-80A1-5E978693C3F4}" type="datetimeFigureOut">
               <a:rPr lang="en-IN" smtClean="0"/>
-              <a:t>17-06-2025</a:t>
+              <a:t>03-07-2025</a:t>
             </a:fld>
             <a:endParaRPr lang="en-IN"/>
           </a:p>
@@ -17571,7 +17571,7 @@
           <a:p>
             <a:fld id="{D57BE1A9-A399-4AF9-80A1-5E978693C3F4}" type="datetimeFigureOut">
               <a:rPr lang="en-IN" smtClean="0"/>
-              <a:t>17-06-2025</a:t>
+              <a:t>03-07-2025</a:t>
             </a:fld>
             <a:endParaRPr lang="en-IN"/>
           </a:p>
@@ -17983,7 +17983,7 @@
           <a:p>
             <a:fld id="{D57BE1A9-A399-4AF9-80A1-5E978693C3F4}" type="datetimeFigureOut">
               <a:rPr lang="en-IN" smtClean="0"/>
-              <a:t>17-06-2025</a:t>
+              <a:t>03-07-2025</a:t>
             </a:fld>
             <a:endParaRPr lang="en-IN"/>
           </a:p>
@@ -18551,7 +18551,7 @@
           <a:p>
             <a:fld id="{D57BE1A9-A399-4AF9-80A1-5E978693C3F4}" type="datetimeFigureOut">
               <a:rPr lang="en-IN" smtClean="0"/>
-              <a:t>17-06-2025</a:t>
+              <a:t>03-07-2025</a:t>
             </a:fld>
             <a:endParaRPr lang="en-IN"/>
           </a:p>
@@ -19232,7 +19232,7 @@
           <a:p>
             <a:fld id="{D57BE1A9-A399-4AF9-80A1-5E978693C3F4}" type="datetimeFigureOut">
               <a:rPr lang="en-IN" smtClean="0"/>
-              <a:t>17-06-2025</a:t>
+              <a:t>03-07-2025</a:t>
             </a:fld>
             <a:endParaRPr lang="en-IN"/>
           </a:p>
@@ -20145,7 +20145,7 @@
           <a:p>
             <a:fld id="{D57BE1A9-A399-4AF9-80A1-5E978693C3F4}" type="datetimeFigureOut">
               <a:rPr lang="en-IN" smtClean="0"/>
-              <a:t>17-06-2025</a:t>
+              <a:t>03-07-2025</a:t>
             </a:fld>
             <a:endParaRPr lang="en-IN"/>
           </a:p>
@@ -20458,7 +20458,7 @@
           <a:p>
             <a:fld id="{D57BE1A9-A399-4AF9-80A1-5E978693C3F4}" type="datetimeFigureOut">
               <a:rPr lang="en-IN" smtClean="0"/>
-              <a:t>17-06-2025</a:t>
+              <a:t>03-07-2025</a:t>
             </a:fld>
             <a:endParaRPr lang="en-IN"/>
           </a:p>
@@ -20722,7 +20722,7 @@
           <a:p>
             <a:fld id="{D57BE1A9-A399-4AF9-80A1-5E978693C3F4}" type="datetimeFigureOut">
               <a:rPr lang="en-IN" smtClean="0"/>
-              <a:t>17-06-2025</a:t>
+              <a:t>03-07-2025</a:t>
             </a:fld>
             <a:endParaRPr lang="en-IN"/>
           </a:p>
@@ -21139,7 +21139,7 @@
           <a:p>
             <a:fld id="{D57BE1A9-A399-4AF9-80A1-5E978693C3F4}" type="datetimeFigureOut">
               <a:rPr lang="en-IN" smtClean="0"/>
-              <a:t>17-06-2025</a:t>
+              <a:t>03-07-2025</a:t>
             </a:fld>
             <a:endParaRPr lang="en-IN"/>
           </a:p>
@@ -21281,7 +21281,7 @@
           <a:p>
             <a:fld id="{D57BE1A9-A399-4AF9-80A1-5E978693C3F4}" type="datetimeFigureOut">
               <a:rPr lang="en-IN" smtClean="0"/>
-              <a:t>17-06-2025</a:t>
+              <a:t>03-07-2025</a:t>
             </a:fld>
             <a:endParaRPr lang="en-IN"/>
           </a:p>
@@ -21394,7 +21394,7 @@
           <a:p>
             <a:fld id="{D57BE1A9-A399-4AF9-80A1-5E978693C3F4}" type="datetimeFigureOut">
               <a:rPr lang="en-IN" smtClean="0"/>
-              <a:t>17-06-2025</a:t>
+              <a:t>03-07-2025</a:t>
             </a:fld>
             <a:endParaRPr lang="en-IN"/>
           </a:p>
@@ -21707,7 +21707,7 @@
           <a:p>
             <a:fld id="{D57BE1A9-A399-4AF9-80A1-5E978693C3F4}" type="datetimeFigureOut">
               <a:rPr lang="en-IN" smtClean="0"/>
-              <a:t>17-06-2025</a:t>
+              <a:t>03-07-2025</a:t>
             </a:fld>
             <a:endParaRPr lang="en-IN"/>
           </a:p>
@@ -21996,7 +21996,7 @@
           <a:p>
             <a:fld id="{D57BE1A9-A399-4AF9-80A1-5E978693C3F4}" type="datetimeFigureOut">
               <a:rPr lang="en-IN" smtClean="0"/>
-              <a:t>17-06-2025</a:t>
+              <a:t>03-07-2025</a:t>
             </a:fld>
             <a:endParaRPr lang="en-IN"/>
           </a:p>
@@ -22239,7 +22239,7 @@
           <a:p>
             <a:fld id="{D57BE1A9-A399-4AF9-80A1-5E978693C3F4}" type="datetimeFigureOut">
               <a:rPr lang="en-IN" smtClean="0"/>
-              <a:t>17-06-2025</a:t>
+              <a:t>03-07-2025</a:t>
             </a:fld>
             <a:endParaRPr lang="en-IN"/>
           </a:p>
@@ -22984,7 +22984,7 @@
           <a:p>
             <a:fld id="{D57BE1A9-A399-4AF9-80A1-5E978693C3F4}" type="datetimeFigureOut">
               <a:rPr lang="en-IN" smtClean="0"/>
-              <a:t>17-06-2025</a:t>
+              <a:t>03-07-2025</a:t>
             </a:fld>
             <a:endParaRPr lang="en-IN"/>
           </a:p>
@@ -23685,7 +23685,7 @@
           <a:p>
             <a:fld id="{D57BE1A9-A399-4AF9-80A1-5E978693C3F4}" type="datetimeFigureOut">
               <a:rPr lang="en-IN" smtClean="0"/>
-              <a:t>17-06-2025</a:t>
+              <a:t>03-07-2025</a:t>
             </a:fld>
             <a:endParaRPr lang="en-IN"/>
           </a:p>
@@ -24082,101 +24082,6 @@
 <file path=ppt/slides/slide1.xml><?xml version="1.0" encoding="utf-8"?>
 <p:sld xmlns:a="http://schemas.openxmlformats.org/drawingml/2006/main" xmlns:r="http://schemas.openxmlformats.org/officeDocument/2006/relationships" xmlns:p="http://schemas.openxmlformats.org/presentationml/2006/main">
   <p:cSld>
-    <p:spTree>
-      <p:nvGrpSpPr>
-        <p:cNvPr id="1" name=""/>
-        <p:cNvGrpSpPr/>
-        <p:nvPr/>
-      </p:nvGrpSpPr>
-      <p:grpSpPr>
-        <a:xfrm>
-          <a:off x="0" y="0"/>
-          <a:ext cx="0" cy="0"/>
-          <a:chOff x="0" y="0"/>
-          <a:chExt cx="0" cy="0"/>
-        </a:xfrm>
-      </p:grpSpPr>
-      <p:sp>
-        <p:nvSpPr>
-          <p:cNvPr id="3" name="Title 2">
-            <a:extLst>
-              <a:ext uri="{FF2B5EF4-FFF2-40B4-BE49-F238E27FC236}">
-                <a16:creationId xmlns:a16="http://schemas.microsoft.com/office/drawing/2014/main" id="{4A200573-6D7D-14A0-8E09-645FE4DD6FF7}"/>
-              </a:ext>
-            </a:extLst>
-          </p:cNvPr>
-          <p:cNvSpPr>
-            <a:spLocks noGrp="1"/>
-          </p:cNvSpPr>
-          <p:nvPr>
-            <p:ph type="ctrTitle"/>
-          </p:nvPr>
-        </p:nvSpPr>
-        <p:spPr>
-          <a:xfrm>
-            <a:off x="0" y="2568102"/>
-            <a:ext cx="8968902" cy="1673158"/>
-          </a:xfrm>
-          <a:solidFill>
-            <a:schemeClr val="bg1"/>
-          </a:solidFill>
-        </p:spPr>
-        <p:txBody>
-          <a:bodyPr/>
-          <a:lstStyle/>
-          <a:p>
-            <a:r>
-              <a:rPr lang="en-IN" dirty="0"/>
-              <a:t>Hospital Emergency Room Dashboard</a:t>
-            </a:r>
-          </a:p>
-        </p:txBody>
-      </p:sp>
-      <p:sp>
-        <p:nvSpPr>
-          <p:cNvPr id="4" name="Subtitle 3">
-            <a:extLst>
-              <a:ext uri="{FF2B5EF4-FFF2-40B4-BE49-F238E27FC236}">
-                <a16:creationId xmlns:a16="http://schemas.microsoft.com/office/drawing/2014/main" id="{11D00BF8-C53E-0D07-B937-683FAEDC3EAB}"/>
-              </a:ext>
-            </a:extLst>
-          </p:cNvPr>
-          <p:cNvSpPr>
-            <a:spLocks noGrp="1"/>
-          </p:cNvSpPr>
-          <p:nvPr>
-            <p:ph type="subTitle" idx="1"/>
-          </p:nvPr>
-        </p:nvSpPr>
-        <p:spPr/>
-        <p:txBody>
-          <a:bodyPr/>
-          <a:lstStyle/>
-          <a:p>
-            <a:r>
-              <a:rPr lang="en-US" dirty="0"/>
-              <a:t>My first Excel MIS Dashboard, built early in my data analytics journey, analyzes hospital ER performance using Microsoft Excel.</a:t>
-            </a:r>
-            <a:endParaRPr lang="en-IN" dirty="0"/>
-          </a:p>
-        </p:txBody>
-      </p:sp>
-    </p:spTree>
-    <p:extLst>
-      <p:ext uri="{BB962C8B-B14F-4D97-AF65-F5344CB8AC3E}">
-        <p14:creationId xmlns:p14="http://schemas.microsoft.com/office/powerpoint/2010/main" val="468671300"/>
-      </p:ext>
-    </p:extLst>
-  </p:cSld>
-  <p:clrMapOvr>
-    <a:masterClrMapping/>
-  </p:clrMapOvr>
-</p:sld>
-</file>
-
-<file path=ppt/slides/slide2.xml><?xml version="1.0" encoding="utf-8"?>
-<p:sld xmlns:a="http://schemas.openxmlformats.org/drawingml/2006/main" xmlns:r="http://schemas.openxmlformats.org/officeDocument/2006/relationships" xmlns:p="http://schemas.openxmlformats.org/presentationml/2006/main">
-  <p:cSld>
     <p:bg>
       <p:bgPr>
         <a:solidFill>
@@ -24584,6 +24489,101 @@
     <p:extLst>
       <p:ext uri="{BB962C8B-B14F-4D97-AF65-F5344CB8AC3E}">
         <p14:creationId xmlns:p14="http://schemas.microsoft.com/office/powerpoint/2010/main" val="879410969"/>
+      </p:ext>
+    </p:extLst>
+  </p:cSld>
+  <p:clrMapOvr>
+    <a:masterClrMapping/>
+  </p:clrMapOvr>
+</p:sld>
+</file>
+
+<file path=ppt/slides/slide2.xml><?xml version="1.0" encoding="utf-8"?>
+<p:sld xmlns:a="http://schemas.openxmlformats.org/drawingml/2006/main" xmlns:r="http://schemas.openxmlformats.org/officeDocument/2006/relationships" xmlns:p="http://schemas.openxmlformats.org/presentationml/2006/main">
+  <p:cSld>
+    <p:spTree>
+      <p:nvGrpSpPr>
+        <p:cNvPr id="1" name=""/>
+        <p:cNvGrpSpPr/>
+        <p:nvPr/>
+      </p:nvGrpSpPr>
+      <p:grpSpPr>
+        <a:xfrm>
+          <a:off x="0" y="0"/>
+          <a:ext cx="0" cy="0"/>
+          <a:chOff x="0" y="0"/>
+          <a:chExt cx="0" cy="0"/>
+        </a:xfrm>
+      </p:grpSpPr>
+      <p:sp>
+        <p:nvSpPr>
+          <p:cNvPr id="3" name="Title 2">
+            <a:extLst>
+              <a:ext uri="{FF2B5EF4-FFF2-40B4-BE49-F238E27FC236}">
+                <a16:creationId xmlns:a16="http://schemas.microsoft.com/office/drawing/2014/main" id="{4A200573-6D7D-14A0-8E09-645FE4DD6FF7}"/>
+              </a:ext>
+            </a:extLst>
+          </p:cNvPr>
+          <p:cNvSpPr>
+            <a:spLocks noGrp="1"/>
+          </p:cNvSpPr>
+          <p:nvPr>
+            <p:ph type="ctrTitle"/>
+          </p:nvPr>
+        </p:nvSpPr>
+        <p:spPr>
+          <a:xfrm>
+            <a:off x="0" y="2568102"/>
+            <a:ext cx="8968902" cy="1673158"/>
+          </a:xfrm>
+          <a:solidFill>
+            <a:schemeClr val="bg1"/>
+          </a:solidFill>
+        </p:spPr>
+        <p:txBody>
+          <a:bodyPr/>
+          <a:lstStyle/>
+          <a:p>
+            <a:r>
+              <a:rPr lang="en-IN" dirty="0"/>
+              <a:t>Hospital Emergency Room Dashboard</a:t>
+            </a:r>
+          </a:p>
+        </p:txBody>
+      </p:sp>
+      <p:sp>
+        <p:nvSpPr>
+          <p:cNvPr id="4" name="Subtitle 3">
+            <a:extLst>
+              <a:ext uri="{FF2B5EF4-FFF2-40B4-BE49-F238E27FC236}">
+                <a16:creationId xmlns:a16="http://schemas.microsoft.com/office/drawing/2014/main" id="{11D00BF8-C53E-0D07-B937-683FAEDC3EAB}"/>
+              </a:ext>
+            </a:extLst>
+          </p:cNvPr>
+          <p:cNvSpPr>
+            <a:spLocks noGrp="1"/>
+          </p:cNvSpPr>
+          <p:nvPr>
+            <p:ph type="subTitle" idx="1"/>
+          </p:nvPr>
+        </p:nvSpPr>
+        <p:spPr/>
+        <p:txBody>
+          <a:bodyPr/>
+          <a:lstStyle/>
+          <a:p>
+            <a:r>
+              <a:rPr lang="en-US" dirty="0"/>
+              <a:t>My first Excel MIS Dashboard, built early in my data analytics journey, analyzes hospital ER performance using Microsoft Excel.</a:t>
+            </a:r>
+            <a:endParaRPr lang="en-IN" dirty="0"/>
+          </a:p>
+        </p:txBody>
+      </p:sp>
+    </p:spTree>
+    <p:extLst>
+      <p:ext uri="{BB962C8B-B14F-4D97-AF65-F5344CB8AC3E}">
+        <p14:creationId xmlns:p14="http://schemas.microsoft.com/office/powerpoint/2010/main" val="468671300"/>
       </p:ext>
     </p:extLst>
   </p:cSld>
